--- a/ZeroToCognitive-master/Chapter10/Documentation/BluemixWatsonStartup Chapter10.pptx
+++ b/ZeroToCognitive-master/Chapter10/Documentation/BluemixWatsonStartup Chapter10.pptx
@@ -5705,7 +5705,7 @@
                 </a:uFill>
                 <a:hlinkClick r:id="rId2" invalidUrl="" action="" tgtFrame="" tooltip="" history="1" highlightClick="0" endSnd="0"/>
               </a:rPr>
-              <a:t>https://www.ibm.com/blogs/watson/2016/07/build-chat-bot/</a:t>
+              <a:t>https://www.ibm.com/blogs/watson/2016/12/build-chat-bot/</a:t>
             </a:r>
             <a:r>
               <a:t> </a:t>
@@ -5747,7 +5747,7 @@
       <p:pic>
         <p:nvPicPr>
           <p:cNvPr id="181" name="pasted-image.png">
-            <a:hlinkClick r:id="rId2" invalidUrl="" action="" tgtFrame="" tooltip="" history="1" highlightClick="0" endSnd="0"/>
+            <a:hlinkClick r:id="rId3" invalidUrl="" action="" tgtFrame="" tooltip="" history="1" highlightClick="0" endSnd="0"/>
           </p:cNvPr>
           <p:cNvPicPr>
             <a:picLocks noChangeAspect="1"/>
@@ -5755,7 +5755,7 @@
           <p:nvPr/>
         </p:nvPicPr>
         <p:blipFill>
-          <a:blip r:embed="rId3">
+          <a:blip r:embed="rId4">
             <a:extLst/>
           </a:blip>
           <a:stretch>
